--- a/hw2/HW2.pptx
+++ b/hw2/HW2.pptx
@@ -5865,7 +5865,7 @@
             </a:pPr>
             <a:r>
               <a:rPr lang="zh-TW"/>
-              <a:t>Question 1</a:t>
+              <a:t>Question a</a:t>
             </a:r>
             <a:endParaRPr/>
           </a:p>
@@ -6019,13 +6019,13 @@
           <a:blip r:embed="rId3">
             <a:alphaModFix/>
           </a:blip>
-          <a:srcRect t="6165" r="6820" b="71909"/>
+          <a:srcRect t="6423" r="6820" b="71755"/>
           <a:stretch/>
         </p:blipFill>
         <p:spPr>
           <a:xfrm>
-            <a:off x="311700" y="3520400"/>
-            <a:ext cx="8520599" cy="1048475"/>
+            <a:off x="311700" y="3525400"/>
+            <a:ext cx="8520599" cy="1043475"/>
           </a:xfrm>
           <a:prstGeom prst="rect">
             <a:avLst/>
@@ -6097,7 +6097,7 @@
             </a:pPr>
             <a:r>
               <a:rPr lang="zh-TW"/>
-              <a:t>Question 2</a:t>
+              <a:t>Question b</a:t>
             </a:r>
             <a:endParaRPr/>
           </a:p>
@@ -6297,7 +6297,7 @@
             </a:pPr>
             <a:r>
               <a:rPr lang="zh-TW"/>
-              <a:t>Question 3</a:t>
+              <a:t>Question c</a:t>
             </a:r>
             <a:endParaRPr/>
           </a:p>
@@ -6408,13 +6408,13 @@
           <a:blip r:embed="rId3">
             <a:alphaModFix/>
           </a:blip>
-          <a:srcRect t="5651" r="6820" b="77594"/>
+          <a:srcRect t="6612" r="6820" b="80638"/>
           <a:stretch/>
         </p:blipFill>
         <p:spPr>
           <a:xfrm>
-            <a:off x="311700" y="3767675"/>
-            <a:ext cx="8520599" cy="801201"/>
+            <a:off x="311700" y="3959150"/>
+            <a:ext cx="8520599" cy="609725"/>
           </a:xfrm>
           <a:prstGeom prst="rect">
             <a:avLst/>
@@ -6486,7 +6486,7 @@
             </a:pPr>
             <a:r>
               <a:rPr lang="zh-TW"/>
-              <a:t>Question 4</a:t>
+              <a:t>Question d</a:t>
             </a:r>
             <a:endParaRPr/>
           </a:p>
@@ -6658,7 +6658,7 @@
             </a:pPr>
             <a:r>
               <a:rPr lang="zh-TW"/>
-              <a:t>Question 5</a:t>
+              <a:t>Question e</a:t>
             </a:r>
             <a:endParaRPr/>
           </a:p>
@@ -6870,7 +6870,7 @@
             </a:pPr>
             <a:r>
               <a:rPr lang="zh-TW"/>
-              <a:t>Question 6 (bonus)</a:t>
+              <a:t>Question f (bonus)</a:t>
             </a:r>
             <a:endParaRPr/>
           </a:p>
